--- a/Video Ver1/Video PPT/9. Primary Key.pptx
+++ b/Video Ver1/Video PPT/9. Primary Key.pptx
@@ -5,13 +5,14 @@
     <p:sldMasterId id="2147483648" r:id="rId1"/>
   </p:sldMasterIdLst>
   <p:notesMasterIdLst>
-    <p:notesMasterId r:id="rId6"/>
+    <p:notesMasterId r:id="rId7"/>
   </p:notesMasterIdLst>
   <p:sldIdLst>
     <p:sldId id="1207" r:id="rId2"/>
-    <p:sldId id="1233" r:id="rId3"/>
-    <p:sldId id="1231" r:id="rId4"/>
-    <p:sldId id="1232" r:id="rId5"/>
+    <p:sldId id="1234" r:id="rId3"/>
+    <p:sldId id="1233" r:id="rId4"/>
+    <p:sldId id="1231" r:id="rId5"/>
+    <p:sldId id="1232" r:id="rId6"/>
   </p:sldIdLst>
   <p:sldSz cx="12190413" cy="6858000"/>
   <p:notesSz cx="6858000" cy="9144000"/>
@@ -112,7 +113,7 @@
   </p:defaultTextStyle>
   <p:extLst>
     <p:ext uri="{521415D9-36F7-43E2-AB2F-B90AF26B5E84}">
-      <p14:sectionLst xmlns:p14="http://schemas.microsoft.com/office/powerpoint/2010/main">
+      <p14:sectionLst xmlns:p14="http://schemas.microsoft.com/office/powerpoint/2010/main" xmlns="">
         <p14:section name="Introduction" id="{A3D14946-8297-4856-B082-4FEFA482017C}">
           <p14:sldIdLst>
             <p14:sldId id="1207"/>
@@ -148,7 +149,7 @@
       </p14:sectionLst>
     </p:ext>
     <p:ext uri="{EFAFB233-063F-42B5-8137-9DF3F51BA10A}">
-      <p15:sldGuideLst xmlns:p15="http://schemas.microsoft.com/office/powerpoint/2012/main">
+      <p15:sldGuideLst xmlns:p15="http://schemas.microsoft.com/office/powerpoint/2012/main" xmlns="">
         <p15:guide id="1" orient="horz" pos="2160">
           <p15:clr>
             <a:srgbClr val="A4A3A4"/>
@@ -170,7 +171,7 @@
   <p:cmAuthor id="1" name="Saleel" initials="S" lastIdx="1" clrIdx="0">
     <p:extLst>
       <p:ext uri="{19B8F6BF-5375-455C-9EA6-DF929625EA0E}">
-        <p15:presenceInfo xmlns:p15="http://schemas.microsoft.com/office/powerpoint/2012/main" userId="Saleel" providerId="None"/>
+        <p15:presenceInfo xmlns:p15="http://schemas.microsoft.com/office/powerpoint/2012/main" xmlns="" userId="Saleel" providerId="None"/>
       </p:ext>
     </p:extLst>
   </p:cmAuthor>
@@ -260,7 +261,7 @@
             <a:fld id="{4DF51050-3720-483B-B552-57DC1341D582}" type="datetimeFigureOut">
               <a:rPr lang="en-US" smtClean="0"/>
               <a:pPr/>
-              <a:t>6/9/2020</a:t>
+              <a:t>6/20/2020</a:t>
             </a:fld>
             <a:endParaRPr lang="en-US"/>
           </a:p>
@@ -719,7 +720,7 @@
             <a:fld id="{EEE556E8-492E-4E8F-8E7F-7A7787724D01}" type="datetimeFigureOut">
               <a:rPr lang="en-US" smtClean="0"/>
               <a:pPr/>
-              <a:t>6/9/2020</a:t>
+              <a:t>6/20/2020</a:t>
             </a:fld>
             <a:endParaRPr lang="en-US"/>
           </a:p>
@@ -924,7 +925,7 @@
             <a:fld id="{EEE556E8-492E-4E8F-8E7F-7A7787724D01}" type="datetimeFigureOut">
               <a:rPr lang="en-US" smtClean="0"/>
               <a:pPr/>
-              <a:t>6/9/2020</a:t>
+              <a:t>6/20/2020</a:t>
             </a:fld>
             <a:endParaRPr lang="en-US"/>
           </a:p>
@@ -1129,7 +1130,7 @@
             <a:fld id="{EEE556E8-492E-4E8F-8E7F-7A7787724D01}" type="datetimeFigureOut">
               <a:rPr lang="en-US" smtClean="0"/>
               <a:pPr/>
-              <a:t>6/9/2020</a:t>
+              <a:t>6/20/2020</a:t>
             </a:fld>
             <a:endParaRPr lang="en-US"/>
           </a:p>
@@ -1334,7 +1335,7 @@
             <a:fld id="{EEE556E8-492E-4E8F-8E7F-7A7787724D01}" type="datetimeFigureOut">
               <a:rPr lang="en-US" smtClean="0"/>
               <a:pPr/>
-              <a:t>6/9/2020</a:t>
+              <a:t>6/20/2020</a:t>
             </a:fld>
             <a:endParaRPr lang="en-US"/>
           </a:p>
@@ -1606,7 +1607,7 @@
             <a:fld id="{EEE556E8-492E-4E8F-8E7F-7A7787724D01}" type="datetimeFigureOut">
               <a:rPr lang="en-US" smtClean="0"/>
               <a:pPr/>
-              <a:t>6/9/2020</a:t>
+              <a:t>6/20/2020</a:t>
             </a:fld>
             <a:endParaRPr lang="en-US"/>
           </a:p>
@@ -1926,7 +1927,7 @@
             <a:fld id="{EEE556E8-492E-4E8F-8E7F-7A7787724D01}" type="datetimeFigureOut">
               <a:rPr lang="en-US" smtClean="0"/>
               <a:pPr/>
-              <a:t>6/9/2020</a:t>
+              <a:t>6/20/2020</a:t>
             </a:fld>
             <a:endParaRPr lang="en-US"/>
           </a:p>
@@ -2386,7 +2387,7 @@
             <a:fld id="{EEE556E8-492E-4E8F-8E7F-7A7787724D01}" type="datetimeFigureOut">
               <a:rPr lang="en-US" smtClean="0"/>
               <a:pPr/>
-              <a:t>6/9/2020</a:t>
+              <a:t>6/20/2020</a:t>
             </a:fld>
             <a:endParaRPr lang="en-US"/>
           </a:p>
@@ -2532,7 +2533,7 @@
             <a:fld id="{EEE556E8-492E-4E8F-8E7F-7A7787724D01}" type="datetimeFigureOut">
               <a:rPr lang="en-US" smtClean="0"/>
               <a:pPr/>
-              <a:t>6/9/2020</a:t>
+              <a:t>6/20/2020</a:t>
             </a:fld>
             <a:endParaRPr lang="en-US"/>
           </a:p>
@@ -2862,7 +2863,7 @@
             <a:fld id="{EEE556E8-492E-4E8F-8E7F-7A7787724D01}" type="datetimeFigureOut">
               <a:rPr lang="en-US" smtClean="0"/>
               <a:pPr/>
-              <a:t>6/9/2020</a:t>
+              <a:t>6/20/2020</a:t>
             </a:fld>
             <a:endParaRPr lang="en-US"/>
           </a:p>
@@ -3144,7 +3145,7 @@
             <a:fld id="{EEE556E8-492E-4E8F-8E7F-7A7787724D01}" type="datetimeFigureOut">
               <a:rPr lang="en-US" smtClean="0"/>
               <a:pPr/>
-              <a:t>6/9/2020</a:t>
+              <a:t>6/20/2020</a:t>
             </a:fld>
             <a:endParaRPr lang="en-US"/>
           </a:p>
@@ -3530,7 +3531,7 @@
           <p:cNvPr id="8" name="Picture 7">
             <a:extLst>
               <a:ext uri="{FF2B5EF4-FFF2-40B4-BE49-F238E27FC236}">
-                <a16:creationId xmlns:a16="http://schemas.microsoft.com/office/drawing/2014/main" id="{FF24E983-0C73-4002-AA14-199E8763DD65}"/>
+                <a16:creationId xmlns:a16="http://schemas.microsoft.com/office/drawing/2014/main" xmlns="" id="{FF24E983-0C73-4002-AA14-199E8763DD65}"/>
               </a:ext>
             </a:extLst>
           </p:cNvPr>
@@ -3543,7 +3544,7 @@
           <a:blip r:embed="rId2" cstate="print">
             <a:extLst>
               <a:ext uri="{28A0092B-C50C-407E-A947-70E740481C1C}">
-                <a14:useLocalDpi xmlns:a14="http://schemas.microsoft.com/office/drawing/2010/main" val="0"/>
+                <a14:useLocalDpi xmlns:a14="http://schemas.microsoft.com/office/drawing/2010/main" xmlns="" val="0"/>
               </a:ext>
             </a:extLst>
           </a:blip>
@@ -3566,7 +3567,7 @@
           <p:cNvPr id="7" name="Footer Placeholder 2">
             <a:extLst>
               <a:ext uri="{FF2B5EF4-FFF2-40B4-BE49-F238E27FC236}">
-                <a16:creationId xmlns:a16="http://schemas.microsoft.com/office/drawing/2014/main" id="{E14F7621-66C5-47D6-A8C7-2B6C3CD2205A}"/>
+                <a16:creationId xmlns:a16="http://schemas.microsoft.com/office/drawing/2014/main" xmlns="" id="{E14F7621-66C5-47D6-A8C7-2B6C3CD2205A}"/>
               </a:ext>
             </a:extLst>
           </p:cNvPr>
@@ -3736,40 +3737,10 @@
           </a:p>
         </p:txBody>
       </p:sp>
-      <p:sp>
-        <p:nvSpPr>
-          <p:cNvPr id="6" name="Rectangle 5"/>
-          <p:cNvSpPr/>
-          <p:nvPr/>
-        </p:nvSpPr>
-        <p:spPr>
-          <a:xfrm>
-            <a:off x="622598" y="3429000"/>
-            <a:ext cx="11017224" cy="923330"/>
-          </a:xfrm>
-          <a:prstGeom prst="rect">
-            <a:avLst/>
-          </a:prstGeom>
-        </p:spPr>
-        <p:txBody>
-          <a:bodyPr wrap="square">
-            <a:spAutoFit/>
-          </a:bodyPr>
-          <a:lstStyle/>
-          <a:p>
-            <a:r>
-              <a:rPr lang="en-US" dirty="0">
-                <a:latin typeface="Palatino Linotype" pitchFamily="18" charset="0"/>
-              </a:rPr>
-              <a:t>A primary key is one of the most important steps in good database design. A primary key is a special column (or set of combined columns) in a relational database table, that is used to uniquely identify each record. Each database table needs a primary key.</a:t>
-            </a:r>
-          </a:p>
-        </p:txBody>
-      </p:sp>
     </p:spTree>
     <p:extLst>
       <p:ext uri="{BB962C8B-B14F-4D97-AF65-F5344CB8AC3E}">
-        <p14:creationId xmlns:p14="http://schemas.microsoft.com/office/powerpoint/2010/main" val="2547664928"/>
+        <p14:creationId xmlns:p14="http://schemas.microsoft.com/office/powerpoint/2010/main" xmlns="" val="2547664928"/>
       </p:ext>
     </p:extLst>
   </p:cSld>
@@ -3801,7 +3772,7 @@
           <p:cNvPr id="8" name="Picture 7">
             <a:extLst>
               <a:ext uri="{FF2B5EF4-FFF2-40B4-BE49-F238E27FC236}">
-                <a16:creationId xmlns:a16="http://schemas.microsoft.com/office/drawing/2014/main" id="{FF24E983-0C73-4002-AA14-199E8763DD65}"/>
+                <a16:creationId xmlns:a16="http://schemas.microsoft.com/office/drawing/2014/main" xmlns="" id="{FF24E983-0C73-4002-AA14-199E8763DD65}"/>
               </a:ext>
             </a:extLst>
           </p:cNvPr>
@@ -3814,7 +3785,7 @@
           <a:blip r:embed="rId2" cstate="print">
             <a:extLst>
               <a:ext uri="{28A0092B-C50C-407E-A947-70E740481C1C}">
-                <a14:useLocalDpi xmlns:a14="http://schemas.microsoft.com/office/drawing/2010/main" val="0"/>
+                <a14:useLocalDpi xmlns:a14="http://schemas.microsoft.com/office/drawing/2010/main" xmlns="" val="0"/>
               </a:ext>
             </a:extLst>
           </a:blip>
@@ -3837,7 +3808,7 @@
           <p:cNvPr id="7" name="Footer Placeholder 2">
             <a:extLst>
               <a:ext uri="{FF2B5EF4-FFF2-40B4-BE49-F238E27FC236}">
-                <a16:creationId xmlns:a16="http://schemas.microsoft.com/office/drawing/2014/main" id="{E14F7621-66C5-47D6-A8C7-2B6C3CD2205A}"/>
+                <a16:creationId xmlns:a16="http://schemas.microsoft.com/office/drawing/2014/main" xmlns="" id="{E14F7621-66C5-47D6-A8C7-2B6C3CD2205A}"/>
               </a:ext>
             </a:extLst>
           </p:cNvPr>
@@ -3964,12 +3935,283 @@
           </a:p>
         </p:txBody>
       </p:sp>
+      <p:sp>
+        <p:nvSpPr>
+          <p:cNvPr id="10" name="Title 1"/>
+          <p:cNvSpPr txBox="1">
+            <a:spLocks/>
+          </p:cNvSpPr>
+          <p:nvPr/>
+        </p:nvSpPr>
+        <p:spPr>
+          <a:xfrm>
+            <a:off x="1676182" y="2442592"/>
+            <a:ext cx="8838049" cy="914400"/>
+          </a:xfrm>
+          <a:prstGeom prst="rect">
+            <a:avLst/>
+          </a:prstGeom>
+        </p:spPr>
+        <p:txBody>
+          <a:bodyPr>
+            <a:normAutofit/>
+          </a:bodyPr>
+          <a:lstStyle/>
+          <a:p>
+            <a:pPr algn="ctr">
+              <a:spcBef>
+                <a:spcPct val="0"/>
+              </a:spcBef>
+              <a:defRPr/>
+            </a:pPr>
+            <a:r>
+              <a:rPr lang="en-US" sz="4800" dirty="0">
+                <a:latin typeface="Segoe UI Light" panose="020B0502040204020203" pitchFamily="34" charset="0"/>
+                <a:cs typeface="Segoe UI Light" panose="020B0502040204020203" pitchFamily="34" charset="0"/>
+              </a:rPr>
+              <a:t>Primary Key</a:t>
+            </a:r>
+            <a:endParaRPr lang="en-IN" sz="4800" dirty="0">
+              <a:latin typeface="Segoe UI Light" panose="020B0502040204020203" pitchFamily="34" charset="0"/>
+              <a:cs typeface="Segoe UI Light" panose="020B0502040204020203" pitchFamily="34" charset="0"/>
+            </a:endParaRPr>
+          </a:p>
+        </p:txBody>
+      </p:sp>
+      <p:sp>
+        <p:nvSpPr>
+          <p:cNvPr id="6" name="Rectangle 5"/>
+          <p:cNvSpPr/>
+          <p:nvPr/>
+        </p:nvSpPr>
+        <p:spPr>
+          <a:xfrm>
+            <a:off x="622598" y="3429000"/>
+            <a:ext cx="11017224" cy="923330"/>
+          </a:xfrm>
+          <a:prstGeom prst="rect">
+            <a:avLst/>
+          </a:prstGeom>
+        </p:spPr>
+        <p:txBody>
+          <a:bodyPr wrap="square">
+            <a:spAutoFit/>
+          </a:bodyPr>
+          <a:lstStyle/>
+          <a:p>
+            <a:r>
+              <a:rPr lang="en-US" dirty="0">
+                <a:latin typeface="Palatino Linotype" pitchFamily="18" charset="0"/>
+              </a:rPr>
+              <a:t>A primary key is one of the most important steps in good database design. A primary key is a special column (or set of combined columns) in a relational database table, that is used to uniquely identify each record. Each database table needs a primary key.</a:t>
+            </a:r>
+          </a:p>
+        </p:txBody>
+      </p:sp>
+    </p:spTree>
+    <p:extLst>
+      <p:ext uri="{BB962C8B-B14F-4D97-AF65-F5344CB8AC3E}">
+        <p14:creationId xmlns:p14="http://schemas.microsoft.com/office/powerpoint/2010/main" xmlns="" val="2547664928"/>
+      </p:ext>
+    </p:extLst>
+  </p:cSld>
+  <p:clrMapOvr>
+    <a:masterClrMapping/>
+  </p:clrMapOvr>
+</p:sld>
+</file>
+
+<file path=ppt/slides/slide3.xml><?xml version="1.0" encoding="utf-8"?>
+<p:sld xmlns:a="http://schemas.openxmlformats.org/drawingml/2006/main" xmlns:r="http://schemas.openxmlformats.org/officeDocument/2006/relationships" xmlns:p="http://schemas.openxmlformats.org/presentationml/2006/main">
+  <p:cSld>
+    <p:spTree>
+      <p:nvGrpSpPr>
+        <p:cNvPr id="1" name=""/>
+        <p:cNvGrpSpPr/>
+        <p:nvPr/>
+      </p:nvGrpSpPr>
+      <p:grpSpPr>
+        <a:xfrm>
+          <a:off x="0" y="0"/>
+          <a:ext cx="0" cy="0"/>
+          <a:chOff x="0" y="0"/>
+          <a:chExt cx="0" cy="0"/>
+        </a:xfrm>
+      </p:grpSpPr>
+      <p:pic>
+        <p:nvPicPr>
+          <p:cNvPr id="8" name="Picture 7">
+            <a:extLst>
+              <a:ext uri="{FF2B5EF4-FFF2-40B4-BE49-F238E27FC236}">
+                <a16:creationId xmlns:a16="http://schemas.microsoft.com/office/drawing/2014/main" xmlns="" id="{FF24E983-0C73-4002-AA14-199E8763DD65}"/>
+              </a:ext>
+            </a:extLst>
+          </p:cNvPr>
+          <p:cNvPicPr>
+            <a:picLocks noChangeAspect="1"/>
+          </p:cNvPicPr>
+          <p:nvPr/>
+        </p:nvPicPr>
+        <p:blipFill>
+          <a:blip r:embed="rId2" cstate="print">
+            <a:extLst>
+              <a:ext uri="{28A0092B-C50C-407E-A947-70E740481C1C}">
+                <a14:useLocalDpi xmlns:a14="http://schemas.microsoft.com/office/drawing/2010/main" xmlns="" val="0"/>
+              </a:ext>
+            </a:extLst>
+          </a:blip>
+          <a:stretch>
+            <a:fillRect/>
+          </a:stretch>
+        </p:blipFill>
+        <p:spPr>
+          <a:xfrm>
+            <a:off x="118542" y="116632"/>
+            <a:ext cx="1371859" cy="445150"/>
+          </a:xfrm>
+          <a:prstGeom prst="rect">
+            <a:avLst/>
+          </a:prstGeom>
+        </p:spPr>
+      </p:pic>
+      <p:sp>
+        <p:nvSpPr>
+          <p:cNvPr id="7" name="Footer Placeholder 2">
+            <a:extLst>
+              <a:ext uri="{FF2B5EF4-FFF2-40B4-BE49-F238E27FC236}">
+                <a16:creationId xmlns:a16="http://schemas.microsoft.com/office/drawing/2014/main" xmlns="" id="{E14F7621-66C5-47D6-A8C7-2B6C3CD2205A}"/>
+              </a:ext>
+            </a:extLst>
+          </p:cNvPr>
+          <p:cNvSpPr txBox="1">
+            <a:spLocks/>
+          </p:cNvSpPr>
+          <p:nvPr/>
+        </p:nvSpPr>
+        <p:spPr>
+          <a:xfrm>
+            <a:off x="3237431" y="6523037"/>
+            <a:ext cx="5400600" cy="365125"/>
+          </a:xfrm>
+          <a:prstGeom prst="rect">
+            <a:avLst/>
+          </a:prstGeom>
+        </p:spPr>
+        <p:txBody>
+          <a:bodyPr/>
+          <a:lstStyle>
+            <a:defPPr>
+              <a:defRPr lang="en-US"/>
+            </a:defPPr>
+            <a:lvl1pPr marL="0" algn="l" defTabSz="914400" rtl="0" eaLnBrk="1" latinLnBrk="0" hangingPunct="1">
+              <a:defRPr sz="1050" kern="1200">
+                <a:solidFill>
+                  <a:schemeClr val="tx1"/>
+                </a:solidFill>
+                <a:latin typeface="+mn-lt"/>
+                <a:ea typeface="+mn-ea"/>
+                <a:cs typeface="+mn-cs"/>
+              </a:defRPr>
+            </a:lvl1pPr>
+            <a:lvl2pPr marL="457200" algn="l" defTabSz="914400" rtl="0" eaLnBrk="1" latinLnBrk="0" hangingPunct="1">
+              <a:defRPr sz="1800" kern="1200">
+                <a:solidFill>
+                  <a:schemeClr val="tx1"/>
+                </a:solidFill>
+                <a:latin typeface="+mn-lt"/>
+                <a:ea typeface="+mn-ea"/>
+                <a:cs typeface="+mn-cs"/>
+              </a:defRPr>
+            </a:lvl2pPr>
+            <a:lvl3pPr marL="914400" algn="l" defTabSz="914400" rtl="0" eaLnBrk="1" latinLnBrk="0" hangingPunct="1">
+              <a:defRPr sz="1800" kern="1200">
+                <a:solidFill>
+                  <a:schemeClr val="tx1"/>
+                </a:solidFill>
+                <a:latin typeface="+mn-lt"/>
+                <a:ea typeface="+mn-ea"/>
+                <a:cs typeface="+mn-cs"/>
+              </a:defRPr>
+            </a:lvl3pPr>
+            <a:lvl4pPr marL="1371600" algn="l" defTabSz="914400" rtl="0" eaLnBrk="1" latinLnBrk="0" hangingPunct="1">
+              <a:defRPr sz="1800" kern="1200">
+                <a:solidFill>
+                  <a:schemeClr val="tx1"/>
+                </a:solidFill>
+                <a:latin typeface="+mn-lt"/>
+                <a:ea typeface="+mn-ea"/>
+                <a:cs typeface="+mn-cs"/>
+              </a:defRPr>
+            </a:lvl4pPr>
+            <a:lvl5pPr marL="1828800" algn="l" defTabSz="914400" rtl="0" eaLnBrk="1" latinLnBrk="0" hangingPunct="1">
+              <a:defRPr sz="1800" kern="1200">
+                <a:solidFill>
+                  <a:schemeClr val="tx1"/>
+                </a:solidFill>
+                <a:latin typeface="+mn-lt"/>
+                <a:ea typeface="+mn-ea"/>
+                <a:cs typeface="+mn-cs"/>
+              </a:defRPr>
+            </a:lvl5pPr>
+            <a:lvl6pPr marL="2286000" algn="l" defTabSz="914400" rtl="0" eaLnBrk="1" latinLnBrk="0" hangingPunct="1">
+              <a:defRPr sz="1800" kern="1200">
+                <a:solidFill>
+                  <a:schemeClr val="tx1"/>
+                </a:solidFill>
+                <a:latin typeface="+mn-lt"/>
+                <a:ea typeface="+mn-ea"/>
+                <a:cs typeface="+mn-cs"/>
+              </a:defRPr>
+            </a:lvl6pPr>
+            <a:lvl7pPr marL="2743200" algn="l" defTabSz="914400" rtl="0" eaLnBrk="1" latinLnBrk="0" hangingPunct="1">
+              <a:defRPr sz="1800" kern="1200">
+                <a:solidFill>
+                  <a:schemeClr val="tx1"/>
+                </a:solidFill>
+                <a:latin typeface="+mn-lt"/>
+                <a:ea typeface="+mn-ea"/>
+                <a:cs typeface="+mn-cs"/>
+              </a:defRPr>
+            </a:lvl7pPr>
+            <a:lvl8pPr marL="3200400" algn="l" defTabSz="914400" rtl="0" eaLnBrk="1" latinLnBrk="0" hangingPunct="1">
+              <a:defRPr sz="1800" kern="1200">
+                <a:solidFill>
+                  <a:schemeClr val="tx1"/>
+                </a:solidFill>
+                <a:latin typeface="+mn-lt"/>
+                <a:ea typeface="+mn-ea"/>
+                <a:cs typeface="+mn-cs"/>
+              </a:defRPr>
+            </a:lvl8pPr>
+            <a:lvl9pPr marL="3657600" algn="l" defTabSz="914400" rtl="0" eaLnBrk="1" latinLnBrk="0" hangingPunct="1">
+              <a:defRPr sz="1800" kern="1200">
+                <a:solidFill>
+                  <a:schemeClr val="tx1"/>
+                </a:solidFill>
+                <a:latin typeface="+mn-lt"/>
+                <a:ea typeface="+mn-ea"/>
+                <a:cs typeface="+mn-cs"/>
+              </a:defRPr>
+            </a:lvl9pPr>
+          </a:lstStyle>
+          <a:p>
+            <a:r>
+              <a:rPr lang="en-US" dirty="0"/>
+              <a:t>Infoway Technologies, 3rd  Floor Commerce Centre, Rambaug Colony, Paud Road Pune 411038</a:t>
+            </a:r>
+            <a:endParaRPr lang="en-IN" dirty="0"/>
+          </a:p>
+          <a:p>
+            <a:endParaRPr lang="en-US" dirty="0"/>
+          </a:p>
+        </p:txBody>
+      </p:sp>
       <p:graphicFrame>
         <p:nvGraphicFramePr>
           <p:cNvPr id="11" name="Table 10">
             <a:extLst>
               <a:ext uri="{FF2B5EF4-FFF2-40B4-BE49-F238E27FC236}">
-                <a16:creationId xmlns:a16="http://schemas.microsoft.com/office/drawing/2014/main" id="{97AB27A1-6AFF-475F-B181-5A79744D2973}"/>
+                <a16:creationId xmlns:a16="http://schemas.microsoft.com/office/drawing/2014/main" xmlns="" id="{97AB27A1-6AFF-475F-B181-5A79744D2973}"/>
               </a:ext>
             </a:extLst>
           </p:cNvPr>
@@ -3979,7 +4221,7 @@
           <p:nvPr>
             <p:extLst>
               <p:ext uri="{D42A27DB-BD31-4B8C-83A1-F6EECF244321}">
-                <p14:modId xmlns:p14="http://schemas.microsoft.com/office/powerpoint/2010/main" val="907581107"/>
+                <p14:modId xmlns:p14="http://schemas.microsoft.com/office/powerpoint/2010/main" xmlns="" val="907581107"/>
               </p:ext>
             </p:extLst>
           </p:nvPr>
@@ -3998,35 +4240,35 @@
                 <a:gridCol w="1625389">
                   <a:extLst>
                     <a:ext uri="{9D8B030D-6E8A-4147-A177-3AD203B41FA5}">
-                      <a16:colId xmlns:a16="http://schemas.microsoft.com/office/drawing/2014/main" val="20000"/>
+                      <a16:colId xmlns:a16="http://schemas.microsoft.com/office/drawing/2014/main" xmlns="" val="20000"/>
                     </a:ext>
                   </a:extLst>
                 </a:gridCol>
                 <a:gridCol w="1625389">
                   <a:extLst>
                     <a:ext uri="{9D8B030D-6E8A-4147-A177-3AD203B41FA5}">
-                      <a16:colId xmlns:a16="http://schemas.microsoft.com/office/drawing/2014/main" val="20001"/>
+                      <a16:colId xmlns:a16="http://schemas.microsoft.com/office/drawing/2014/main" xmlns="" val="20001"/>
                     </a:ext>
                   </a:extLst>
                 </a:gridCol>
                 <a:gridCol w="1625389">
                   <a:extLst>
                     <a:ext uri="{9D8B030D-6E8A-4147-A177-3AD203B41FA5}">
-                      <a16:colId xmlns:a16="http://schemas.microsoft.com/office/drawing/2014/main" val="20002"/>
+                      <a16:colId xmlns:a16="http://schemas.microsoft.com/office/drawing/2014/main" xmlns="" val="20002"/>
                     </a:ext>
                   </a:extLst>
                 </a:gridCol>
                 <a:gridCol w="1625389">
                   <a:extLst>
                     <a:ext uri="{9D8B030D-6E8A-4147-A177-3AD203B41FA5}">
-                      <a16:colId xmlns:a16="http://schemas.microsoft.com/office/drawing/2014/main" val="20003"/>
+                      <a16:colId xmlns:a16="http://schemas.microsoft.com/office/drawing/2014/main" xmlns="" val="20003"/>
                     </a:ext>
                   </a:extLst>
                 </a:gridCol>
                 <a:gridCol w="1625389">
                   <a:extLst>
                     <a:ext uri="{9D8B030D-6E8A-4147-A177-3AD203B41FA5}">
-                      <a16:colId xmlns:a16="http://schemas.microsoft.com/office/drawing/2014/main" val="2044013937"/>
+                      <a16:colId xmlns:a16="http://schemas.microsoft.com/office/drawing/2014/main" xmlns="" val="2044013937"/>
                     </a:ext>
                   </a:extLst>
                 </a:gridCol>
@@ -4158,7 +4400,7 @@
                 </a:tc>
                 <a:extLst>
                   <a:ext uri="{0D108BD9-81ED-4DB2-BD59-A6C34878D82A}">
-                    <a16:rowId xmlns:a16="http://schemas.microsoft.com/office/drawing/2014/main" val="10000"/>
+                    <a16:rowId xmlns:a16="http://schemas.microsoft.com/office/drawing/2014/main" xmlns="" val="10000"/>
                   </a:ext>
                 </a:extLst>
               </a:tr>
@@ -4277,7 +4519,7 @@
                 </a:tc>
                 <a:extLst>
                   <a:ext uri="{0D108BD9-81ED-4DB2-BD59-A6C34878D82A}">
-                    <a16:rowId xmlns:a16="http://schemas.microsoft.com/office/drawing/2014/main" val="10001"/>
+                    <a16:rowId xmlns:a16="http://schemas.microsoft.com/office/drawing/2014/main" xmlns="" val="10001"/>
                   </a:ext>
                 </a:extLst>
               </a:tr>
@@ -4361,7 +4603,7 @@
                 </a:tc>
                 <a:extLst>
                   <a:ext uri="{0D108BD9-81ED-4DB2-BD59-A6C34878D82A}">
-                    <a16:rowId xmlns:a16="http://schemas.microsoft.com/office/drawing/2014/main" val="10002"/>
+                    <a16:rowId xmlns:a16="http://schemas.microsoft.com/office/drawing/2014/main" xmlns="" val="10002"/>
                   </a:ext>
                 </a:extLst>
               </a:tr>
@@ -4480,7 +4722,7 @@
                 </a:tc>
                 <a:extLst>
                   <a:ext uri="{0D108BD9-81ED-4DB2-BD59-A6C34878D82A}">
-                    <a16:rowId xmlns:a16="http://schemas.microsoft.com/office/drawing/2014/main" val="10003"/>
+                    <a16:rowId xmlns:a16="http://schemas.microsoft.com/office/drawing/2014/main" xmlns="" val="10003"/>
                   </a:ext>
                 </a:extLst>
               </a:tr>
@@ -4493,7 +4735,7 @@
           <p:cNvPr id="12" name="Rectangle 11">
             <a:extLst>
               <a:ext uri="{FF2B5EF4-FFF2-40B4-BE49-F238E27FC236}">
-                <a16:creationId xmlns:a16="http://schemas.microsoft.com/office/drawing/2014/main" id="{741C398F-B2B7-4E49-B29F-D86D2A7F5048}"/>
+                <a16:creationId xmlns:a16="http://schemas.microsoft.com/office/drawing/2014/main" xmlns="" id="{741C398F-B2B7-4E49-B29F-D86D2A7F5048}"/>
               </a:ext>
             </a:extLst>
           </p:cNvPr>
@@ -4533,7 +4775,7 @@
           <p:cNvPr id="13" name="Table 12">
             <a:extLst>
               <a:ext uri="{FF2B5EF4-FFF2-40B4-BE49-F238E27FC236}">
-                <a16:creationId xmlns:a16="http://schemas.microsoft.com/office/drawing/2014/main" id="{AA5A9C6D-9820-4CBD-9A97-4D9C830CA003}"/>
+                <a16:creationId xmlns:a16="http://schemas.microsoft.com/office/drawing/2014/main" xmlns="" id="{AA5A9C6D-9820-4CBD-9A97-4D9C830CA003}"/>
               </a:ext>
             </a:extLst>
           </p:cNvPr>
@@ -4543,7 +4785,7 @@
           <p:nvPr>
             <p:extLst>
               <p:ext uri="{D42A27DB-BD31-4B8C-83A1-F6EECF244321}">
-                <p14:modId xmlns:p14="http://schemas.microsoft.com/office/powerpoint/2010/main" val="1052069216"/>
+                <p14:modId xmlns:p14="http://schemas.microsoft.com/office/powerpoint/2010/main" xmlns="" val="1052069216"/>
               </p:ext>
             </p:extLst>
           </p:nvPr>
@@ -4562,42 +4804,42 @@
                 <a:gridCol w="1780686">
                   <a:extLst>
                     <a:ext uri="{9D8B030D-6E8A-4147-A177-3AD203B41FA5}">
-                      <a16:colId xmlns:a16="http://schemas.microsoft.com/office/drawing/2014/main" val="4117748028"/>
+                      <a16:colId xmlns:a16="http://schemas.microsoft.com/office/drawing/2014/main" xmlns="" val="4117748028"/>
                     </a:ext>
                   </a:extLst>
                 </a:gridCol>
                 <a:gridCol w="1723704">
                   <a:extLst>
                     <a:ext uri="{9D8B030D-6E8A-4147-A177-3AD203B41FA5}">
-                      <a16:colId xmlns:a16="http://schemas.microsoft.com/office/drawing/2014/main" val="20000"/>
+                      <a16:colId xmlns:a16="http://schemas.microsoft.com/office/drawing/2014/main" xmlns="" val="20000"/>
                     </a:ext>
                   </a:extLst>
                 </a:gridCol>
                 <a:gridCol w="1752195">
                   <a:extLst>
                     <a:ext uri="{9D8B030D-6E8A-4147-A177-3AD203B41FA5}">
-                      <a16:colId xmlns:a16="http://schemas.microsoft.com/office/drawing/2014/main" val="20001"/>
+                      <a16:colId xmlns:a16="http://schemas.microsoft.com/office/drawing/2014/main" xmlns="" val="20001"/>
                     </a:ext>
                   </a:extLst>
                 </a:gridCol>
                 <a:gridCol w="1752195">
                   <a:extLst>
                     <a:ext uri="{9D8B030D-6E8A-4147-A177-3AD203B41FA5}">
-                      <a16:colId xmlns:a16="http://schemas.microsoft.com/office/drawing/2014/main" val="20002"/>
+                      <a16:colId xmlns:a16="http://schemas.microsoft.com/office/drawing/2014/main" xmlns="" val="20002"/>
                     </a:ext>
                   </a:extLst>
                 </a:gridCol>
                 <a:gridCol w="1752195">
                   <a:extLst>
                     <a:ext uri="{9D8B030D-6E8A-4147-A177-3AD203B41FA5}">
-                      <a16:colId xmlns:a16="http://schemas.microsoft.com/office/drawing/2014/main" val="20003"/>
+                      <a16:colId xmlns:a16="http://schemas.microsoft.com/office/drawing/2014/main" xmlns="" val="20003"/>
                     </a:ext>
                   </a:extLst>
                 </a:gridCol>
                 <a:gridCol w="1752195">
                   <a:extLst>
                     <a:ext uri="{9D8B030D-6E8A-4147-A177-3AD203B41FA5}">
-                      <a16:colId xmlns:a16="http://schemas.microsoft.com/office/drawing/2014/main" val="1173049905"/>
+                      <a16:colId xmlns:a16="http://schemas.microsoft.com/office/drawing/2014/main" xmlns="" val="1173049905"/>
                     </a:ext>
                   </a:extLst>
                 </a:gridCol>
@@ -4752,7 +4994,7 @@
                 </a:tc>
                 <a:extLst>
                   <a:ext uri="{0D108BD9-81ED-4DB2-BD59-A6C34878D82A}">
-                    <a16:rowId xmlns:a16="http://schemas.microsoft.com/office/drawing/2014/main" val="10000"/>
+                    <a16:rowId xmlns:a16="http://schemas.microsoft.com/office/drawing/2014/main" xmlns="" val="10000"/>
                   </a:ext>
                 </a:extLst>
               </a:tr>
@@ -4893,7 +5135,7 @@
                 </a:tc>
                 <a:extLst>
                   <a:ext uri="{0D108BD9-81ED-4DB2-BD59-A6C34878D82A}">
-                    <a16:rowId xmlns:a16="http://schemas.microsoft.com/office/drawing/2014/main" val="10001"/>
+                    <a16:rowId xmlns:a16="http://schemas.microsoft.com/office/drawing/2014/main" xmlns="" val="10001"/>
                   </a:ext>
                 </a:extLst>
               </a:tr>
@@ -4992,7 +5234,7 @@
                 </a:tc>
                 <a:extLst>
                   <a:ext uri="{0D108BD9-81ED-4DB2-BD59-A6C34878D82A}">
-                    <a16:rowId xmlns:a16="http://schemas.microsoft.com/office/drawing/2014/main" val="10002"/>
+                    <a16:rowId xmlns:a16="http://schemas.microsoft.com/office/drawing/2014/main" xmlns="" val="10002"/>
                   </a:ext>
                 </a:extLst>
               </a:tr>
@@ -5133,7 +5375,7 @@
                 </a:tc>
                 <a:extLst>
                   <a:ext uri="{0D108BD9-81ED-4DB2-BD59-A6C34878D82A}">
-                    <a16:rowId xmlns:a16="http://schemas.microsoft.com/office/drawing/2014/main" val="10003"/>
+                    <a16:rowId xmlns:a16="http://schemas.microsoft.com/office/drawing/2014/main" xmlns="" val="10003"/>
                   </a:ext>
                 </a:extLst>
               </a:tr>
@@ -5146,7 +5388,7 @@
           <p:cNvPr id="14" name="Rectangle 13">
             <a:extLst>
               <a:ext uri="{FF2B5EF4-FFF2-40B4-BE49-F238E27FC236}">
-                <a16:creationId xmlns:a16="http://schemas.microsoft.com/office/drawing/2014/main" id="{BE7E18EA-A092-4994-8F23-DC98B24BFF10}"/>
+                <a16:creationId xmlns:a16="http://schemas.microsoft.com/office/drawing/2014/main" xmlns="" id="{BE7E18EA-A092-4994-8F23-DC98B24BFF10}"/>
               </a:ext>
             </a:extLst>
           </p:cNvPr>
@@ -5240,10 +5482,56 @@
           </a:p>
         </p:txBody>
       </p:sp>
+      <p:sp>
+        <p:nvSpPr>
+          <p:cNvPr id="9" name="Rectangle 8">
+            <a:extLst>
+              <a:ext uri="{FF2B5EF4-FFF2-40B4-BE49-F238E27FC236}">
+                <a16:creationId xmlns:a16="http://schemas.microsoft.com/office/drawing/2014/main" xmlns="" id="{09A4DD51-F450-4FA7-BA18-C2A26D10D72C}"/>
+              </a:ext>
+            </a:extLst>
+          </p:cNvPr>
+          <p:cNvSpPr/>
+          <p:nvPr/>
+        </p:nvSpPr>
+        <p:spPr>
+          <a:xfrm>
+            <a:off x="1523802" y="2"/>
+            <a:ext cx="9142810" cy="837473"/>
+          </a:xfrm>
+          <a:prstGeom prst="rect">
+            <a:avLst/>
+          </a:prstGeom>
+          <a:solidFill>
+            <a:schemeClr val="bg1"/>
+          </a:solidFill>
+        </p:spPr>
+        <p:txBody>
+          <a:bodyPr wrap="square">
+            <a:spAutoFit/>
+          </a:bodyPr>
+          <a:lstStyle/>
+          <a:p>
+            <a:pPr algn="r" fontAlgn="base">
+              <a:lnSpc>
+                <a:spcPct val="150000"/>
+              </a:lnSpc>
+            </a:pPr>
+            <a:r>
+              <a:rPr lang="en-US" sz="3600" dirty="0" smtClean="0"/>
+              <a:t>Rules of Primary </a:t>
+            </a:r>
+            <a:r>
+              <a:rPr lang="en-US" sz="3600" dirty="0"/>
+              <a:t>Key</a:t>
+            </a:r>
+          </a:p>
+        </p:txBody>
+      </p:sp>
     </p:spTree>
     <p:extLst>
       <p:ext uri="{BB962C8B-B14F-4D97-AF65-F5344CB8AC3E}">
-        <p14:creationId xmlns:p14="http://schemas.microsoft.com/office/powerpoint/2010/main" val="271927706"/>
+        <p14:creationId xmlns:p14="http://schemas.microsoft.com/office/powerpoint/2010/main" xmlns="" val="271927706"/>
       </p:ext>
     </p:extLst>
   </p:cSld>
@@ -5331,7 +5619,7 @@
 </p:sld>
 </file>
 
-<file path=ppt/slides/slide3.xml><?xml version="1.0" encoding="utf-8"?>
+<file path=ppt/slides/slide4.xml><?xml version="1.0" encoding="utf-8"?>
 <p:sld xmlns:a="http://schemas.openxmlformats.org/drawingml/2006/main" xmlns:r="http://schemas.openxmlformats.org/officeDocument/2006/relationships" xmlns:p="http://schemas.openxmlformats.org/presentationml/2006/main">
   <p:cSld>
     <p:spTree>
@@ -5419,7 +5707,7 @@
           <p:cNvPr id="8" name="Picture 7">
             <a:extLst>
               <a:ext uri="{FF2B5EF4-FFF2-40B4-BE49-F238E27FC236}">
-                <a16:creationId xmlns:a16="http://schemas.microsoft.com/office/drawing/2014/main" id="{CA300AF8-3A8B-41EE-96B3-AEAC198AD8CA}"/>
+                <a16:creationId xmlns:a16="http://schemas.microsoft.com/office/drawing/2014/main" xmlns="" id="{CA300AF8-3A8B-41EE-96B3-AEAC198AD8CA}"/>
               </a:ext>
             </a:extLst>
           </p:cNvPr>
@@ -5432,7 +5720,7 @@
           <a:blip r:embed="rId2" cstate="print">
             <a:extLst>
               <a:ext uri="{28A0092B-C50C-407E-A947-70E740481C1C}">
-                <a14:useLocalDpi xmlns:a14="http://schemas.microsoft.com/office/drawing/2010/main" val="0"/>
+                <a14:useLocalDpi xmlns:a14="http://schemas.microsoft.com/office/drawing/2010/main" xmlns="" val="0"/>
               </a:ext>
             </a:extLst>
           </a:blip>
@@ -5455,7 +5743,7 @@
           <p:cNvPr id="9" name="Footer Placeholder 2">
             <a:extLst>
               <a:ext uri="{FF2B5EF4-FFF2-40B4-BE49-F238E27FC236}">
-                <a16:creationId xmlns:a16="http://schemas.microsoft.com/office/drawing/2014/main" id="{49968677-CC8A-4C35-AABA-97CFF73A1AB5}"/>
+                <a16:creationId xmlns:a16="http://schemas.microsoft.com/office/drawing/2014/main" xmlns="" id="{49968677-CC8A-4C35-AABA-97CFF73A1AB5}"/>
               </a:ext>
             </a:extLst>
           </p:cNvPr>
@@ -5587,7 +5875,7 @@
           <p:cNvPr id="10" name="Rectangle 9">
             <a:extLst>
               <a:ext uri="{FF2B5EF4-FFF2-40B4-BE49-F238E27FC236}">
-                <a16:creationId xmlns:a16="http://schemas.microsoft.com/office/drawing/2014/main" id="{09A4DD51-F450-4FA7-BA18-C2A26D10D72C}"/>
+                <a16:creationId xmlns:a16="http://schemas.microsoft.com/office/drawing/2014/main" xmlns="" id="{09A4DD51-F450-4FA7-BA18-C2A26D10D72C}"/>
               </a:ext>
             </a:extLst>
           </p:cNvPr>
@@ -5597,7 +5885,7 @@
         <p:spPr>
           <a:xfrm>
             <a:off x="1523802" y="2"/>
-            <a:ext cx="9142810" cy="923330"/>
+            <a:ext cx="9142810" cy="837473"/>
           </a:xfrm>
           <a:prstGeom prst="rect">
             <a:avLst/>
@@ -5618,8 +5906,12 @@
               </a:lnSpc>
             </a:pPr>
             <a:r>
+              <a:rPr lang="en-US" sz="3600" dirty="0" smtClean="0"/>
+              <a:t>Example of Primary </a:t>
+            </a:r>
+            <a:r>
               <a:rPr lang="en-US" sz="3600" dirty="0"/>
-              <a:t>Primary Key</a:t>
+              <a:t>Key</a:t>
             </a:r>
           </a:p>
         </p:txBody>
@@ -5911,7 +6203,7 @@
     </p:spTree>
     <p:extLst>
       <p:ext uri="{BB962C8B-B14F-4D97-AF65-F5344CB8AC3E}">
-        <p14:creationId xmlns:p14="http://schemas.microsoft.com/office/powerpoint/2010/main" val="2850906017"/>
+        <p14:creationId xmlns:p14="http://schemas.microsoft.com/office/powerpoint/2010/main" xmlns="" val="2850906017"/>
       </p:ext>
     </p:extLst>
   </p:cSld>
@@ -5922,7 +6214,7 @@
 </p:sld>
 </file>
 
-<file path=ppt/slides/slide4.xml><?xml version="1.0" encoding="utf-8"?>
+<file path=ppt/slides/slide5.xml><?xml version="1.0" encoding="utf-8"?>
 <p:sld xmlns:a="http://schemas.openxmlformats.org/drawingml/2006/main" xmlns:r="http://schemas.openxmlformats.org/officeDocument/2006/relationships" xmlns:p="http://schemas.openxmlformats.org/presentationml/2006/main">
   <p:cSld>
     <p:spTree>
@@ -6010,7 +6302,7 @@
           <p:cNvPr id="8" name="Picture 7">
             <a:extLst>
               <a:ext uri="{FF2B5EF4-FFF2-40B4-BE49-F238E27FC236}">
-                <a16:creationId xmlns:a16="http://schemas.microsoft.com/office/drawing/2014/main" id="{CA300AF8-3A8B-41EE-96B3-AEAC198AD8CA}"/>
+                <a16:creationId xmlns:a16="http://schemas.microsoft.com/office/drawing/2014/main" xmlns="" id="{CA300AF8-3A8B-41EE-96B3-AEAC198AD8CA}"/>
               </a:ext>
             </a:extLst>
           </p:cNvPr>
@@ -6023,7 +6315,7 @@
           <a:blip r:embed="rId2" cstate="print">
             <a:extLst>
               <a:ext uri="{28A0092B-C50C-407E-A947-70E740481C1C}">
-                <a14:useLocalDpi xmlns:a14="http://schemas.microsoft.com/office/drawing/2010/main" val="0"/>
+                <a14:useLocalDpi xmlns:a14="http://schemas.microsoft.com/office/drawing/2010/main" xmlns="" val="0"/>
               </a:ext>
             </a:extLst>
           </a:blip>
@@ -6046,7 +6338,7 @@
           <p:cNvPr id="9" name="Footer Placeholder 2">
             <a:extLst>
               <a:ext uri="{FF2B5EF4-FFF2-40B4-BE49-F238E27FC236}">
-                <a16:creationId xmlns:a16="http://schemas.microsoft.com/office/drawing/2014/main" id="{49968677-CC8A-4C35-AABA-97CFF73A1AB5}"/>
+                <a16:creationId xmlns:a16="http://schemas.microsoft.com/office/drawing/2014/main" xmlns="" id="{49968677-CC8A-4C35-AABA-97CFF73A1AB5}"/>
               </a:ext>
             </a:extLst>
           </p:cNvPr>
@@ -6178,7 +6470,7 @@
           <p:cNvPr id="10" name="Rectangle 9">
             <a:extLst>
               <a:ext uri="{FF2B5EF4-FFF2-40B4-BE49-F238E27FC236}">
-                <a16:creationId xmlns:a16="http://schemas.microsoft.com/office/drawing/2014/main" id="{09A4DD51-F450-4FA7-BA18-C2A26D10D72C}"/>
+                <a16:creationId xmlns:a16="http://schemas.microsoft.com/office/drawing/2014/main" xmlns="" id="{09A4DD51-F450-4FA7-BA18-C2A26D10D72C}"/>
               </a:ext>
             </a:extLst>
           </p:cNvPr>
@@ -6489,7 +6781,7 @@
     </p:spTree>
     <p:extLst>
       <p:ext uri="{BB962C8B-B14F-4D97-AF65-F5344CB8AC3E}">
-        <p14:creationId xmlns:p14="http://schemas.microsoft.com/office/powerpoint/2010/main" val="2850906017"/>
+        <p14:creationId xmlns:p14="http://schemas.microsoft.com/office/powerpoint/2010/main" xmlns="" val="2850906017"/>
       </p:ext>
     </p:extLst>
   </p:cSld>
